--- a/CKDSurveillance/PPT/Q764.pptx
+++ b/CKDSurveillance/PPT/Q764.pptx
@@ -151,11 +151,11 @@
           <c:order val="0"/>
           <c:tx>
             <c:strRef>
-              <c:f>graphics!$B$1</c:f>
+              <c:f>Hypertension!$B$1</c:f>
               <c:strCache>
                 <c:ptCount val="1"/>
                 <c:pt idx="0">
-                  <c:v>No Hypertension</c:v>
+                  <c:v>Hypertension</c:v>
                 </c:pt>
               </c:strCache>
             </c:strRef>
@@ -163,9 +163,7 @@
           <c:spPr>
             <a:ln w="44450" cap="rnd">
               <a:solidFill>
-                <a:srgbClr val="7030A0">
-                  <a:alpha val="94000"/>
-                </a:srgbClr>
+                <a:schemeClr val="accent1"/>
               </a:solidFill>
               <a:round/>
             </a:ln>
@@ -176,11 +174,11 @@
             <c:size val="5"/>
             <c:spPr>
               <a:solidFill>
-                <a:srgbClr val="7030A0"/>
+                <a:schemeClr val="accent1"/>
               </a:solidFill>
               <a:ln w="44450">
                 <a:solidFill>
-                  <a:srgbClr val="7030A0"/>
+                  <a:schemeClr val="accent1"/>
                 </a:solidFill>
               </a:ln>
               <a:effectLst/>
@@ -188,7 +186,7 @@
           </c:marker>
           <c:cat>
             <c:strRef>
-              <c:f>graphics!$A$2:$A$6</c:f>
+              <c:f>Hypertension!$A$2:$A$6</c:f>
               <c:strCache>
                 <c:ptCount val="5"/>
                 <c:pt idx="0">
@@ -211,24 +209,24 @@
           </c:cat>
           <c:val>
             <c:numRef>
-              <c:f>graphics!$B$2:$B$6</c:f>
+              <c:f>Hypertension!$B$2:$B$6</c:f>
               <c:numCache>
                 <c:formatCode>0.0</c:formatCode>
                 <c:ptCount val="5"/>
                 <c:pt idx="0">
-                  <c:v>7.1</c:v>
+                  <c:v>24.5</c:v>
                 </c:pt>
                 <c:pt idx="1">
-                  <c:v>7.4</c:v>
+                  <c:v>24.2</c:v>
                 </c:pt>
                 <c:pt idx="2">
-                  <c:v>6.7</c:v>
+                  <c:v>23.4</c:v>
                 </c:pt>
                 <c:pt idx="3">
-                  <c:v>7.4</c:v>
+                  <c:v>24.5</c:v>
                 </c:pt>
                 <c:pt idx="4">
-                  <c:v>7.3</c:v>
+                  <c:v>24.4</c:v>
                 </c:pt>
               </c:numCache>
             </c:numRef>
@@ -236,7 +234,7 @@
           <c:smooth val="0"/>
           <c:extLst>
             <c:ext xmlns:c16="http://schemas.microsoft.com/office/drawing/2014/chart" uri="{C3380CC4-5D6E-409C-BE32-E72D297353CC}">
-              <c16:uniqueId val="{00000000-221F-407E-B0CC-87B958857545}"/>
+              <c16:uniqueId val="{00000000-7417-4148-A4E4-524407421FB7}"/>
             </c:ext>
           </c:extLst>
         </c:ser>
@@ -245,11 +243,11 @@
           <c:order val="1"/>
           <c:tx>
             <c:strRef>
-              <c:f>graphics!$C$1</c:f>
+              <c:f>Hypertension!$C$1</c:f>
               <c:strCache>
                 <c:ptCount val="1"/>
                 <c:pt idx="0">
-                  <c:v>Hypertension</c:v>
+                  <c:v>No Hypertension</c:v>
                 </c:pt>
               </c:strCache>
             </c:strRef>
@@ -257,9 +255,7 @@
           <c:spPr>
             <a:ln w="44450" cap="rnd">
               <a:solidFill>
-                <a:schemeClr val="bg2">
-                  <a:lumMod val="75000"/>
-                </a:schemeClr>
+                <a:schemeClr val="accent2"/>
               </a:solidFill>
               <a:round/>
             </a:ln>
@@ -270,16 +266,11 @@
             <c:size val="5"/>
             <c:spPr>
               <a:solidFill>
-                <a:schemeClr val="bg2">
-                  <a:lumMod val="75000"/>
-                </a:schemeClr>
+                <a:schemeClr val="accent2"/>
               </a:solidFill>
               <a:ln w="44450">
                 <a:solidFill>
-                  <a:schemeClr val="bg2">
-                    <a:lumMod val="75000"/>
-                    <a:alpha val="97000"/>
-                  </a:schemeClr>
+                  <a:schemeClr val="accent2"/>
                 </a:solidFill>
               </a:ln>
               <a:effectLst/>
@@ -287,7 +278,7 @@
           </c:marker>
           <c:cat>
             <c:strRef>
-              <c:f>graphics!$A$2:$A$6</c:f>
+              <c:f>Hypertension!$A$2:$A$6</c:f>
               <c:strCache>
                 <c:ptCount val="5"/>
                 <c:pt idx="0">
@@ -310,24 +301,24 @@
           </c:cat>
           <c:val>
             <c:numRef>
-              <c:f>graphics!$C$2:$C$6</c:f>
+              <c:f>Hypertension!$C$2:$C$6</c:f>
               <c:numCache>
                 <c:formatCode>0.0</c:formatCode>
                 <c:ptCount val="5"/>
                 <c:pt idx="0">
-                  <c:v>24.5</c:v>
+                  <c:v>7.1</c:v>
                 </c:pt>
                 <c:pt idx="1">
-                  <c:v>24.2</c:v>
+                  <c:v>7.4</c:v>
                 </c:pt>
                 <c:pt idx="2">
-                  <c:v>23.4</c:v>
+                  <c:v>6.7</c:v>
                 </c:pt>
                 <c:pt idx="3">
-                  <c:v>24.5</c:v>
+                  <c:v>7.4</c:v>
                 </c:pt>
                 <c:pt idx="4">
-                  <c:v>24.6</c:v>
+                  <c:v>7.5</c:v>
                 </c:pt>
               </c:numCache>
             </c:numRef>
@@ -335,7 +326,7 @@
           <c:smooth val="0"/>
           <c:extLst>
             <c:ext xmlns:c16="http://schemas.microsoft.com/office/drawing/2014/chart" uri="{C3380CC4-5D6E-409C-BE32-E72D297353CC}">
-              <c16:uniqueId val="{00000001-221F-407E-B0CC-87B958857545}"/>
+              <c16:uniqueId val="{00000001-7417-4148-A4E4-524407421FB7}"/>
             </c:ext>
           </c:extLst>
         </c:ser>
@@ -344,7 +335,7 @@
           <c:order val="2"/>
           <c:tx>
             <c:strRef>
-              <c:f>graphics!$D$1</c:f>
+              <c:f>Hypertension!$D$1</c:f>
               <c:strCache>
                 <c:ptCount val="1"/>
                 <c:pt idx="0">
@@ -378,32 +369,9 @@
               <a:effectLst/>
             </c:spPr>
           </c:marker>
-          <c:cat>
-            <c:strRef>
-              <c:f>graphics!$A$2:$A$6</c:f>
-              <c:strCache>
-                <c:ptCount val="5"/>
-                <c:pt idx="0">
-                  <c:v>2001–2004</c:v>
-                </c:pt>
-                <c:pt idx="1">
-                  <c:v>2005–2008</c:v>
-                </c:pt>
-                <c:pt idx="2">
-                  <c:v>2009–2012</c:v>
-                </c:pt>
-                <c:pt idx="3">
-                  <c:v>2013–2016</c:v>
-                </c:pt>
-                <c:pt idx="4">
-                  <c:v>2017–2020</c:v>
-                </c:pt>
-              </c:strCache>
-            </c:strRef>
-          </c:cat>
           <c:val>
             <c:numRef>
-              <c:f>graphics!$D$2:$D$6</c:f>
+              <c:f>Hypertension!$D$2:$D$6</c:f>
               <c:numCache>
                 <c:formatCode>0.0</c:formatCode>
                 <c:ptCount val="5"/>
@@ -428,7 +396,7 @@
           <c:smooth val="0"/>
           <c:extLst>
             <c:ext xmlns:c16="http://schemas.microsoft.com/office/drawing/2014/chart" uri="{C3380CC4-5D6E-409C-BE32-E72D297353CC}">
-              <c16:uniqueId val="{00000002-221F-407E-B0CC-87B958857545}"/>
+              <c16:uniqueId val="{00000002-7417-4148-A4E4-524407421FB7}"/>
             </c:ext>
           </c:extLst>
         </c:ser>
@@ -442,11 +410,11 @@
         </c:dLbls>
         <c:marker val="1"/>
         <c:smooth val="0"/>
-        <c:axId val="541233296"/>
-        <c:axId val="541212080"/>
+        <c:axId val="691937583"/>
+        <c:axId val="691935503"/>
       </c:lineChart>
       <c:catAx>
-        <c:axId val="541233296"/>
+        <c:axId val="691937583"/>
         <c:scaling>
           <c:orientation val="minMax"/>
         </c:scaling>
@@ -476,7 +444,7 @@
             <a:pPr>
               <a:defRPr sz="2400" b="0" i="0" u="none" strike="noStrike" kern="1200" baseline="0">
                 <a:solidFill>
-                  <a:schemeClr val="tx1"/>
+                  <a:sysClr val="windowText" lastClr="000000"/>
                 </a:solidFill>
                 <a:latin typeface="+mn-lt"/>
                 <a:ea typeface="+mn-ea"/>
@@ -486,7 +454,7 @@
             <a:endParaRPr lang="en-US"/>
           </a:p>
         </c:txPr>
-        <c:crossAx val="541212080"/>
+        <c:crossAx val="691935503"/>
         <c:crosses val="autoZero"/>
         <c:auto val="1"/>
         <c:lblAlgn val="ctr"/>
@@ -494,7 +462,7 @@
         <c:noMultiLvlLbl val="0"/>
       </c:catAx>
       <c:valAx>
-        <c:axId val="541212080"/>
+        <c:axId val="691935503"/>
         <c:scaling>
           <c:orientation val="minMax"/>
           <c:max val="25"/>
@@ -522,9 +490,9 @@
               <a:lstStyle/>
               <a:p>
                 <a:pPr>
-                  <a:defRPr sz="2800" b="0" i="0" u="none" strike="noStrike" kern="1200" baseline="0">
+                  <a:defRPr sz="2400" b="0" i="0" u="none" strike="noStrike" kern="1200" baseline="0">
                     <a:solidFill>
-                      <a:schemeClr val="tx1"/>
+                      <a:sysClr val="windowText" lastClr="000000"/>
                     </a:solidFill>
                     <a:latin typeface="+mn-lt"/>
                     <a:ea typeface="+mn-ea"/>
@@ -532,24 +500,24 @@
                   </a:defRPr>
                 </a:pPr>
                 <a:r>
-                  <a:rPr lang="en-US" sz="2800">
+                  <a:rPr lang="en-US" sz="2400">
                     <a:solidFill>
-                      <a:schemeClr val="tx1"/>
+                      <a:sysClr val="windowText" lastClr="000000"/>
                     </a:solidFill>
                   </a:rPr>
                   <a:t>CKD</a:t>
                 </a:r>
                 <a:r>
-                  <a:rPr lang="en-US" sz="2800" baseline="0">
+                  <a:rPr lang="en-US" sz="2400" baseline="0">
                     <a:solidFill>
-                      <a:schemeClr val="tx1"/>
+                      <a:sysClr val="windowText" lastClr="000000"/>
                     </a:solidFill>
                   </a:rPr>
                   <a:t> (%)</a:t>
                 </a:r>
-                <a:endParaRPr lang="en-US" sz="2800">
+                <a:endParaRPr lang="en-US" sz="2400">
                   <a:solidFill>
-                    <a:schemeClr val="tx1"/>
+                    <a:sysClr val="windowText" lastClr="000000"/>
                   </a:solidFill>
                 </a:endParaRPr>
               </a:p>
@@ -559,8 +527,8 @@
             <c:manualLayout>
               <c:xMode val="edge"/>
               <c:yMode val="edge"/>
-              <c:x val="1.1091821240366054E-3"/>
-              <c:y val="0.27264991542333294"/>
+              <c:x val="1.068733595800527E-4"/>
+              <c:y val="0.28859263840331856"/>
             </c:manualLayout>
           </c:layout>
           <c:overlay val="0"/>
@@ -576,9 +544,9 @@
             <a:lstStyle/>
             <a:p>
               <a:pPr>
-                <a:defRPr sz="2800" b="0" i="0" u="none" strike="noStrike" kern="1200" baseline="0">
+                <a:defRPr sz="2400" b="0" i="0" u="none" strike="noStrike" kern="1200" baseline="0">
                   <a:solidFill>
-                    <a:schemeClr val="tx1"/>
+                    <a:sysClr val="windowText" lastClr="000000"/>
                   </a:solidFill>
                   <a:latin typeface="+mn-lt"/>
                   <a:ea typeface="+mn-ea"/>
@@ -607,7 +575,7 @@
             <a:pPr>
               <a:defRPr sz="2400" b="0" i="0" u="none" strike="noStrike" kern="1200" baseline="0">
                 <a:solidFill>
-                  <a:schemeClr val="tx1"/>
+                  <a:sysClr val="windowText" lastClr="000000"/>
                 </a:solidFill>
                 <a:latin typeface="+mn-lt"/>
                 <a:ea typeface="+mn-ea"/>
@@ -617,7 +585,7 @@
             <a:endParaRPr lang="en-US"/>
           </a:p>
         </c:txPr>
-        <c:crossAx val="541233296"/>
+        <c:crossAx val="691937583"/>
         <c:crosses val="autoZero"/>
         <c:crossBetween val="between"/>
       </c:valAx>
@@ -635,10 +603,10 @@
         <c:manualLayout>
           <c:xMode val="edge"/>
           <c:yMode val="edge"/>
-          <c:x val="0.19347271647785244"/>
-          <c:y val="0.89889398419141398"/>
-          <c:w val="0.61305456704429517"/>
-          <c:h val="9.5641128142149048E-2"/>
+          <c:x val="0.24056848753280841"/>
+          <c:y val="0.91027333577345571"/>
+          <c:w val="0.53761302493438323"/>
+          <c:h val="8.7055150972052187E-2"/>
         </c:manualLayout>
       </c:layout>
       <c:overlay val="0"/>
@@ -654,9 +622,9 @@
         <a:lstStyle/>
         <a:p>
           <a:pPr>
-            <a:defRPr sz="2400" b="0" i="0" u="none" strike="noStrike" kern="1200" baseline="0">
+            <a:defRPr sz="2200" b="0" i="0" u="none" strike="noStrike" kern="1200" baseline="0">
               <a:solidFill>
-                <a:schemeClr val="tx1"/>
+                <a:sysClr val="windowText" lastClr="000000"/>
               </a:solidFill>
               <a:latin typeface="+mn-lt"/>
               <a:ea typeface="+mn-ea"/>
@@ -679,9 +647,12 @@
     <c:showDLblsOverMax val="0"/>
   </c:chart>
   <c:spPr>
-    <a:noFill/>
-    <a:ln>
+    <a:solidFill>
+      <a:schemeClr val="bg1"/>
+    </a:solidFill>
+    <a:ln w="9525" cap="flat" cmpd="sng" algn="ctr">
       <a:noFill/>
+      <a:round/>
     </a:ln>
     <a:effectLst/>
   </c:spPr>
@@ -726,11 +697,11 @@
           <c:order val="0"/>
           <c:tx>
             <c:strRef>
-              <c:f>graphics!$B$25</c:f>
+              <c:f>Hypertension!$B$26</c:f>
               <c:strCache>
                 <c:ptCount val="1"/>
                 <c:pt idx="0">
-                  <c:v>No Hypertension</c:v>
+                  <c:v>Hypertension</c:v>
                 </c:pt>
               </c:strCache>
             </c:strRef>
@@ -738,9 +709,7 @@
           <c:spPr>
             <a:ln w="44450" cap="rnd">
               <a:solidFill>
-                <a:schemeClr val="bg2">
-                  <a:lumMod val="75000"/>
-                </a:schemeClr>
+                <a:schemeClr val="accent1"/>
               </a:solidFill>
               <a:round/>
             </a:ln>
@@ -751,15 +720,11 @@
             <c:size val="5"/>
             <c:spPr>
               <a:solidFill>
-                <a:schemeClr val="bg2">
-                  <a:lumMod val="75000"/>
-                </a:schemeClr>
+                <a:schemeClr val="accent1"/>
               </a:solidFill>
               <a:ln w="44450">
                 <a:solidFill>
-                  <a:schemeClr val="bg2">
-                    <a:lumMod val="75000"/>
-                  </a:schemeClr>
+                  <a:schemeClr val="accent1"/>
                 </a:solidFill>
               </a:ln>
               <a:effectLst/>
@@ -767,7 +732,7 @@
           </c:marker>
           <c:cat>
             <c:strRef>
-              <c:f>graphics!$A$26:$A$30</c:f>
+              <c:f>Hypertension!$A$27:$A$31</c:f>
               <c:strCache>
                 <c:ptCount val="5"/>
                 <c:pt idx="0">
@@ -790,24 +755,24 @@
           </c:cat>
           <c:val>
             <c:numRef>
-              <c:f>graphics!$B$26:$B$30</c:f>
+              <c:f>Hypertension!$B$27:$B$31</c:f>
               <c:numCache>
                 <c:formatCode>0.0</c:formatCode>
                 <c:ptCount val="5"/>
                 <c:pt idx="0">
-                  <c:v>10</c:v>
+                  <c:v>18.600000000000001</c:v>
                 </c:pt>
                 <c:pt idx="1">
-                  <c:v>9.6999999999999993</c:v>
+                  <c:v>19.399999999999999</c:v>
                 </c:pt>
                 <c:pt idx="2">
-                  <c:v>8.8000000000000007</c:v>
+                  <c:v>17.100000000000001</c:v>
                 </c:pt>
                 <c:pt idx="3">
-                  <c:v>9</c:v>
+                  <c:v>18.899999999999999</c:v>
                 </c:pt>
                 <c:pt idx="4">
-                  <c:v>8.6</c:v>
+                  <c:v>17.8</c:v>
                 </c:pt>
               </c:numCache>
             </c:numRef>
@@ -815,7 +780,7 @@
           <c:smooth val="0"/>
           <c:extLst>
             <c:ext xmlns:c16="http://schemas.microsoft.com/office/drawing/2014/chart" uri="{C3380CC4-5D6E-409C-BE32-E72D297353CC}">
-              <c16:uniqueId val="{00000000-827F-4890-98C7-59B7B6629719}"/>
+              <c16:uniqueId val="{00000000-411C-46ED-8717-C5E94EB51F75}"/>
             </c:ext>
           </c:extLst>
         </c:ser>
@@ -824,11 +789,11 @@
           <c:order val="1"/>
           <c:tx>
             <c:strRef>
-              <c:f>graphics!$C$25</c:f>
+              <c:f>Hypertension!$C$26</c:f>
               <c:strCache>
                 <c:ptCount val="1"/>
                 <c:pt idx="0">
-                  <c:v>Hypertension</c:v>
+                  <c:v>No Hypertension</c:v>
                 </c:pt>
               </c:strCache>
             </c:strRef>
@@ -836,7 +801,7 @@
           <c:spPr>
             <a:ln w="44450" cap="rnd">
               <a:solidFill>
-                <a:srgbClr val="008080"/>
+                <a:schemeClr val="accent2"/>
               </a:solidFill>
               <a:round/>
             </a:ln>
@@ -847,11 +812,11 @@
             <c:size val="5"/>
             <c:spPr>
               <a:solidFill>
-                <a:srgbClr val="008080"/>
+                <a:schemeClr val="accent2"/>
               </a:solidFill>
               <a:ln w="44450">
                 <a:solidFill>
-                  <a:srgbClr val="008080"/>
+                  <a:schemeClr val="accent2"/>
                 </a:solidFill>
               </a:ln>
               <a:effectLst/>
@@ -859,7 +824,7 @@
           </c:marker>
           <c:cat>
             <c:strRef>
-              <c:f>graphics!$A$26:$A$30</c:f>
+              <c:f>Hypertension!$A$27:$A$31</c:f>
               <c:strCache>
                 <c:ptCount val="5"/>
                 <c:pt idx="0">
@@ -882,24 +847,24 @@
           </c:cat>
           <c:val>
             <c:numRef>
-              <c:f>graphics!$C$26:$C$30</c:f>
+              <c:f>Hypertension!$C$27:$C$31</c:f>
               <c:numCache>
                 <c:formatCode>0.0</c:formatCode>
                 <c:ptCount val="5"/>
                 <c:pt idx="0">
-                  <c:v>18.600000000000001</c:v>
+                  <c:v>10</c:v>
                 </c:pt>
                 <c:pt idx="1">
-                  <c:v>19.399999999999999</c:v>
+                  <c:v>9.6999999999999993</c:v>
                 </c:pt>
                 <c:pt idx="2">
-                  <c:v>17.100000000000001</c:v>
+                  <c:v>8.8000000000000007</c:v>
                 </c:pt>
                 <c:pt idx="3">
-                  <c:v>18.899999999999999</c:v>
+                  <c:v>9</c:v>
                 </c:pt>
                 <c:pt idx="4">
-                  <c:v>18.100000000000001</c:v>
+                  <c:v>8.6999999999999993</c:v>
                 </c:pt>
               </c:numCache>
             </c:numRef>
@@ -907,7 +872,7 @@
           <c:smooth val="0"/>
           <c:extLst>
             <c:ext xmlns:c16="http://schemas.microsoft.com/office/drawing/2014/chart" uri="{C3380CC4-5D6E-409C-BE32-E72D297353CC}">
-              <c16:uniqueId val="{00000001-827F-4890-98C7-59B7B6629719}"/>
+              <c16:uniqueId val="{00000001-411C-46ED-8717-C5E94EB51F75}"/>
             </c:ext>
           </c:extLst>
         </c:ser>
@@ -916,7 +881,7 @@
           <c:order val="2"/>
           <c:tx>
             <c:strRef>
-              <c:f>graphics!$D$25</c:f>
+              <c:f>Hypertension!$D$26</c:f>
               <c:strCache>
                 <c:ptCount val="1"/>
                 <c:pt idx="0">
@@ -928,9 +893,7 @@
           <c:spPr>
             <a:ln w="44450" cap="rnd">
               <a:solidFill>
-                <a:schemeClr val="tx1">
-                  <a:alpha val="96000"/>
-                </a:schemeClr>
+                <a:schemeClr val="tx1"/>
               </a:solidFill>
               <a:prstDash val="sysDash"/>
               <a:round/>
@@ -952,32 +915,9 @@
               <a:effectLst/>
             </c:spPr>
           </c:marker>
-          <c:cat>
-            <c:strRef>
-              <c:f>graphics!$A$26:$A$30</c:f>
-              <c:strCache>
-                <c:ptCount val="5"/>
-                <c:pt idx="0">
-                  <c:v>2001–2004</c:v>
-                </c:pt>
-                <c:pt idx="1">
-                  <c:v>2005–2008</c:v>
-                </c:pt>
-                <c:pt idx="2">
-                  <c:v>2009–2012</c:v>
-                </c:pt>
-                <c:pt idx="3">
-                  <c:v>2013–2016</c:v>
-                </c:pt>
-                <c:pt idx="4">
-                  <c:v>2017–2020</c:v>
-                </c:pt>
-              </c:strCache>
-            </c:strRef>
-          </c:cat>
           <c:val>
             <c:numRef>
-              <c:f>graphics!$D$26:$D$30</c:f>
+              <c:f>Hypertension!$D$27:$D$31</c:f>
               <c:numCache>
                 <c:formatCode>0.0</c:formatCode>
                 <c:ptCount val="5"/>
@@ -994,7 +934,7 @@
                   <c:v>13.7</c:v>
                 </c:pt>
                 <c:pt idx="4">
-                  <c:v>13.4</c:v>
+                  <c:v>13.3</c:v>
                 </c:pt>
               </c:numCache>
             </c:numRef>
@@ -1002,7 +942,7 @@
           <c:smooth val="0"/>
           <c:extLst>
             <c:ext xmlns:c16="http://schemas.microsoft.com/office/drawing/2014/chart" uri="{C3380CC4-5D6E-409C-BE32-E72D297353CC}">
-              <c16:uniqueId val="{00000002-827F-4890-98C7-59B7B6629719}"/>
+              <c16:uniqueId val="{00000002-411C-46ED-8717-C5E94EB51F75}"/>
             </c:ext>
           </c:extLst>
         </c:ser>
@@ -1016,11 +956,11 @@
         </c:dLbls>
         <c:marker val="1"/>
         <c:smooth val="0"/>
-        <c:axId val="1292262159"/>
-        <c:axId val="1291150511"/>
+        <c:axId val="1062529280"/>
+        <c:axId val="1062538016"/>
       </c:lineChart>
       <c:catAx>
-        <c:axId val="1292262159"/>
+        <c:axId val="1062529280"/>
         <c:scaling>
           <c:orientation val="minMax"/>
         </c:scaling>
@@ -1050,7 +990,7 @@
             <a:pPr>
               <a:defRPr sz="2400" b="0" i="0" u="none" strike="noStrike" kern="1200" baseline="0">
                 <a:solidFill>
-                  <a:schemeClr val="tx1"/>
+                  <a:sysClr val="windowText" lastClr="000000"/>
                 </a:solidFill>
                 <a:latin typeface="+mn-lt"/>
                 <a:ea typeface="+mn-ea"/>
@@ -1060,7 +1000,7 @@
             <a:endParaRPr lang="en-US"/>
           </a:p>
         </c:txPr>
-        <c:crossAx val="1291150511"/>
+        <c:crossAx val="1062538016"/>
         <c:crosses val="autoZero"/>
         <c:auto val="1"/>
         <c:lblAlgn val="ctr"/>
@@ -1068,10 +1008,9 @@
         <c:noMultiLvlLbl val="0"/>
       </c:catAx>
       <c:valAx>
-        <c:axId val="1291150511"/>
+        <c:axId val="1062538016"/>
         <c:scaling>
           <c:orientation val="minMax"/>
-          <c:max val="20"/>
         </c:scaling>
         <c:delete val="0"/>
         <c:axPos val="l"/>
@@ -1096,9 +1035,9 @@
               <a:lstStyle/>
               <a:p>
                 <a:pPr>
-                  <a:defRPr sz="2800" b="0" i="0" u="none" strike="noStrike" kern="1200" baseline="0">
+                  <a:defRPr sz="2400" b="0" i="0" u="none" strike="noStrike" kern="1200" baseline="0">
                     <a:solidFill>
-                      <a:schemeClr val="tx1"/>
+                      <a:sysClr val="windowText" lastClr="000000"/>
                     </a:solidFill>
                     <a:latin typeface="+mn-lt"/>
                     <a:ea typeface="+mn-ea"/>
@@ -1106,24 +1045,24 @@
                   </a:defRPr>
                 </a:pPr>
                 <a:r>
-                  <a:rPr lang="en-US" sz="2800">
+                  <a:rPr lang="en-US" sz="2400">
                     <a:solidFill>
-                      <a:schemeClr val="tx1"/>
+                      <a:sysClr val="windowText" lastClr="000000"/>
                     </a:solidFill>
                   </a:rPr>
                   <a:t>CKD</a:t>
                 </a:r>
                 <a:r>
-                  <a:rPr lang="en-US" sz="2800" baseline="0">
+                  <a:rPr lang="en-US" sz="2400" baseline="0">
                     <a:solidFill>
-                      <a:schemeClr val="tx1"/>
+                      <a:sysClr val="windowText" lastClr="000000"/>
                     </a:solidFill>
                   </a:rPr>
                   <a:t> (%)</a:t>
                 </a:r>
-                <a:endParaRPr lang="en-US" sz="2800">
+                <a:endParaRPr lang="en-US" sz="2400">
                   <a:solidFill>
-                    <a:schemeClr val="tx1"/>
+                    <a:sysClr val="windowText" lastClr="000000"/>
                   </a:solidFill>
                 </a:endParaRPr>
               </a:p>
@@ -1133,8 +1072,8 @@
             <c:manualLayout>
               <c:xMode val="edge"/>
               <c:yMode val="edge"/>
-              <c:x val="3.3109210339250352E-3"/>
-              <c:y val="0.27406422956679211"/>
+              <c:x val="0"/>
+              <c:y val="0.3088749713053171"/>
             </c:manualLayout>
           </c:layout>
           <c:overlay val="0"/>
@@ -1150,9 +1089,9 @@
             <a:lstStyle/>
             <a:p>
               <a:pPr>
-                <a:defRPr sz="2800" b="0" i="0" u="none" strike="noStrike" kern="1200" baseline="0">
+                <a:defRPr sz="2400" b="0" i="0" u="none" strike="noStrike" kern="1200" baseline="0">
                   <a:solidFill>
-                    <a:schemeClr val="tx1"/>
+                    <a:sysClr val="windowText" lastClr="000000"/>
                   </a:solidFill>
                   <a:latin typeface="+mn-lt"/>
                   <a:ea typeface="+mn-ea"/>
@@ -1181,7 +1120,7 @@
             <a:pPr>
               <a:defRPr sz="2400" b="0" i="0" u="none" strike="noStrike" kern="1200" baseline="0">
                 <a:solidFill>
-                  <a:schemeClr val="tx1"/>
+                  <a:sysClr val="windowText" lastClr="000000"/>
                 </a:solidFill>
                 <a:latin typeface="+mn-lt"/>
                 <a:ea typeface="+mn-ea"/>
@@ -1191,7 +1130,7 @@
             <a:endParaRPr lang="en-US"/>
           </a:p>
         </c:txPr>
-        <c:crossAx val="1292262159"/>
+        <c:crossAx val="1062529280"/>
         <c:crosses val="autoZero"/>
         <c:crossBetween val="between"/>
       </c:valAx>
@@ -1205,6 +1144,16 @@
     </c:plotArea>
     <c:legend>
       <c:legendPos val="b"/>
+      <c:layout>
+        <c:manualLayout>
+          <c:xMode val="edge"/>
+          <c:yMode val="edge"/>
+          <c:x val="0.24161009199557842"/>
+          <c:y val="0.91227895025894634"/>
+          <c:w val="0.53761306902994332"/>
+          <c:h val="8.7721049741053672E-2"/>
+        </c:manualLayout>
+      </c:layout>
       <c:overlay val="0"/>
       <c:spPr>
         <a:noFill/>
@@ -1218,9 +1167,9 @@
         <a:lstStyle/>
         <a:p>
           <a:pPr>
-            <a:defRPr sz="2400" b="0" i="0" u="none" strike="noStrike" kern="1200" baseline="0">
+            <a:defRPr sz="2200" b="0" i="0" u="none" strike="noStrike" kern="1200" baseline="0">
               <a:solidFill>
-                <a:schemeClr val="tx1"/>
+                <a:sysClr val="windowText" lastClr="000000"/>
               </a:solidFill>
               <a:latin typeface="+mn-lt"/>
               <a:ea typeface="+mn-ea"/>
@@ -1243,9 +1192,12 @@
     <c:showDLblsOverMax val="0"/>
   </c:chart>
   <c:spPr>
-    <a:noFill/>
-    <a:ln>
+    <a:solidFill>
+      <a:schemeClr val="bg1"/>
+    </a:solidFill>
+    <a:ln w="9525" cap="flat" cmpd="sng" algn="ctr">
       <a:noFill/>
+      <a:round/>
     </a:ln>
     <a:effectLst/>
   </c:spPr>
@@ -2480,7 +2432,7 @@
           <a:p>
             <a:fld id="{FEC8F623-83FF-45D9-9165-1796CF17F145}" type="datetimeFigureOut">
               <a:rPr lang="en-US" smtClean="0"/>
-              <a:t>10/19/2023</a:t>
+              <a:t>7/22/2024</a:t>
             </a:fld>
             <a:endParaRPr lang="en-US"/>
           </a:p>
@@ -2648,7 +2600,7 @@
           <a:p>
             <a:fld id="{FEC8F623-83FF-45D9-9165-1796CF17F145}" type="datetimeFigureOut">
               <a:rPr lang="en-US" smtClean="0"/>
-              <a:t>10/19/2023</a:t>
+              <a:t>7/22/2024</a:t>
             </a:fld>
             <a:endParaRPr lang="en-US"/>
           </a:p>
@@ -2826,7 +2778,7 @@
           <a:p>
             <a:fld id="{FEC8F623-83FF-45D9-9165-1796CF17F145}" type="datetimeFigureOut">
               <a:rPr lang="en-US" smtClean="0"/>
-              <a:t>10/19/2023</a:t>
+              <a:t>7/22/2024</a:t>
             </a:fld>
             <a:endParaRPr lang="en-US"/>
           </a:p>
@@ -2994,7 +2946,7 @@
           <a:p>
             <a:fld id="{FEC8F623-83FF-45D9-9165-1796CF17F145}" type="datetimeFigureOut">
               <a:rPr lang="en-US" smtClean="0"/>
-              <a:t>10/19/2023</a:t>
+              <a:t>7/22/2024</a:t>
             </a:fld>
             <a:endParaRPr lang="en-US"/>
           </a:p>
@@ -3274,7 +3226,7 @@
           <a:p>
             <a:fld id="{FEC8F623-83FF-45D9-9165-1796CF17F145}" type="datetimeFigureOut">
               <a:rPr lang="en-US" smtClean="0"/>
-              <a:t>10/19/2023</a:t>
+              <a:t>7/22/2024</a:t>
             </a:fld>
             <a:endParaRPr lang="en-US"/>
           </a:p>
@@ -3527,7 +3479,7 @@
           <a:p>
             <a:fld id="{FEC8F623-83FF-45D9-9165-1796CF17F145}" type="datetimeFigureOut">
               <a:rPr lang="en-US" smtClean="0"/>
-              <a:t>10/19/2023</a:t>
+              <a:t>7/22/2024</a:t>
             </a:fld>
             <a:endParaRPr lang="en-US"/>
           </a:p>
@@ -3915,7 +3867,7 @@
           <a:p>
             <a:fld id="{FEC8F623-83FF-45D9-9165-1796CF17F145}" type="datetimeFigureOut">
               <a:rPr lang="en-US" smtClean="0"/>
-              <a:t>10/19/2023</a:t>
+              <a:t>7/22/2024</a:t>
             </a:fld>
             <a:endParaRPr lang="en-US"/>
           </a:p>
@@ -4056,7 +4008,7 @@
           <a:p>
             <a:fld id="{FEC8F623-83FF-45D9-9165-1796CF17F145}" type="datetimeFigureOut">
               <a:rPr lang="en-US" smtClean="0"/>
-              <a:t>10/19/2023</a:t>
+              <a:t>7/22/2024</a:t>
             </a:fld>
             <a:endParaRPr lang="en-US"/>
           </a:p>
@@ -4151,7 +4103,7 @@
           <a:p>
             <a:fld id="{FEC8F623-83FF-45D9-9165-1796CF17F145}" type="datetimeFigureOut">
               <a:rPr lang="en-US" smtClean="0"/>
-              <a:t>10/19/2023</a:t>
+              <a:t>7/22/2024</a:t>
             </a:fld>
             <a:endParaRPr lang="en-US"/>
           </a:p>
@@ -4426,7 +4378,7 @@
           <a:p>
             <a:fld id="{FEC8F623-83FF-45D9-9165-1796CF17F145}" type="datetimeFigureOut">
               <a:rPr lang="en-US" smtClean="0"/>
-              <a:t>10/19/2023</a:t>
+              <a:t>7/22/2024</a:t>
             </a:fld>
             <a:endParaRPr lang="en-US"/>
           </a:p>
@@ -4678,7 +4630,7 @@
           <a:p>
             <a:fld id="{FEC8F623-83FF-45D9-9165-1796CF17F145}" type="datetimeFigureOut">
               <a:rPr lang="en-US" smtClean="0"/>
-              <a:t>10/19/2023</a:t>
+              <a:t>7/22/2024</a:t>
             </a:fld>
             <a:endParaRPr lang="en-US"/>
           </a:p>
@@ -4889,7 +4841,7 @@
           <a:p>
             <a:fld id="{FEC8F623-83FF-45D9-9165-1796CF17F145}" type="datetimeFigureOut">
               <a:rPr lang="en-US" smtClean="0"/>
-              <a:t>10/19/2023</a:t>
+              <a:t>7/22/2024</a:t>
             </a:fld>
             <a:endParaRPr lang="en-US"/>
           </a:p>
@@ -5408,15 +5360,8 @@
                 <a:effectLst/>
                 <a:latin typeface="Open Sans" panose="020B0606030504020204" pitchFamily="34" charset="0"/>
               </a:rPr>
-              <a:t>Crude prevalence of chronic kidney disease (CKD) among adults with hypertension was over three times as high as that among adults without hypertension (24.6% vs 7.3%, 2017–March 2020). The prevalence of CKD among those with hypertension has remained constant from 2001 through March 2020. Age-standardized trends were consistent with the crude trends.</a:t>
-            </a:r>
-            <a:endParaRPr lang="en-US" b="1" dirty="0">
-              <a:solidFill>
-                <a:srgbClr val="000000"/>
-              </a:solidFill>
-              <a:effectLst/>
-              <a:latin typeface="Open Sans" panose="020B0606030504020204" pitchFamily="34" charset="0"/>
-            </a:endParaRPr>
+              <a:t>Crude prevalence of chronic kidney disease (CKD) among adults with hypertension was over three times as high as that among adults without hypertension (24.4% vs 7.5%, 2017–March 2020). The prevalence of CKD among those with hypertension has remained constant from 2001 through March 2020. Age-standardized trends were consistent with the crude trends. </a:t>
+            </a:r>
           </a:p>
           <a:p>
             <a:pPr algn="l"/>
@@ -5500,8 +5445,20 @@
                     <a:lumOff val="35000"/>
                   </a:schemeClr>
                 </a:solidFill>
+                <a:hlinkClick r:id="rId3"/>
               </a:rPr>
               <a:t>https://nccd.cdc.gov/CKD/detail.aspx?Qnum=Q764</a:t>
+            </a:r>
+            <a:r>
+              <a:rPr lang="en-US" dirty="0">
+                <a:solidFill>
+                  <a:schemeClr val="tx1">
+                    <a:lumMod val="65000"/>
+                    <a:lumOff val="35000"/>
+                  </a:schemeClr>
+                </a:solidFill>
+              </a:rPr>
+              <a:t> </a:t>
             </a:r>
           </a:p>
         </p:txBody>
@@ -5559,11 +5516,7 @@
             <a:pPr algn="ctr"/>
             <a:r>
               <a:rPr lang="en-US" sz="4400" b="1" dirty="0"/>
-              <a:t>Trends in Prevalence of CKD among U.S. Adults </a:t>
-            </a:r>
-            <a:r>
-              <a:rPr lang="en-US" sz="4400" b="1"/>
-              <a:t>with Hypertension</a:t>
+              <a:t>Crude Trends in Prevalence of CKD among U.S. Adults with Hypertension</a:t>
             </a:r>
             <a:endParaRPr lang="en-US" b="1" dirty="0"/>
           </a:p>
@@ -5571,27 +5524,25 @@
       </p:sp>
       <p:graphicFrame>
         <p:nvGraphicFramePr>
-          <p:cNvPr id="4" name="Chart 3">
+          <p:cNvPr id="5" name="Chart 4">
             <a:extLst>
               <a:ext uri="{FF2B5EF4-FFF2-40B4-BE49-F238E27FC236}">
-                <a16:creationId xmlns:a16="http://schemas.microsoft.com/office/drawing/2014/main" id="{8202B374-4416-4F17-A5F8-75F528A933FD}"/>
+                <a16:creationId xmlns:a16="http://schemas.microsoft.com/office/drawing/2014/main" id="{E0EBD29F-7F58-43B3-A6E2-FEB2162FFA98}"/>
               </a:ext>
             </a:extLst>
           </p:cNvPr>
-          <p:cNvGraphicFramePr>
-            <a:graphicFrameLocks/>
-          </p:cNvGraphicFramePr>
+          <p:cNvGraphicFramePr/>
           <p:nvPr>
             <p:extLst>
               <p:ext uri="{D42A27DB-BD31-4B8C-83A1-F6EECF244321}">
-                <p14:modId xmlns:p14="http://schemas.microsoft.com/office/powerpoint/2010/main" val="1432641900"/>
+                <p14:modId xmlns:p14="http://schemas.microsoft.com/office/powerpoint/2010/main" val="201847582"/>
               </p:ext>
             </p:extLst>
           </p:nvPr>
         </p:nvGraphicFramePr>
         <p:xfrm>
-          <a:off x="371061" y="1540911"/>
-          <a:ext cx="11449878" cy="4647854"/>
+          <a:off x="0" y="1434905"/>
+          <a:ext cx="12192000" cy="4753860"/>
         </p:xfrm>
         <a:graphic>
           <a:graphicData uri="http://schemas.openxmlformats.org/drawingml/2006/chart">
@@ -5652,13 +5603,15 @@
           </a:xfrm>
         </p:spPr>
         <p:txBody>
-          <a:bodyPr/>
+          <a:bodyPr>
+            <a:normAutofit/>
+          </a:bodyPr>
           <a:lstStyle/>
           <a:p>
             <a:pPr algn="ctr"/>
             <a:r>
               <a:rPr lang="en-US" sz="4400" b="1" dirty="0"/>
-              <a:t>Trends in Prevalence of CKD among U.S. Adults with Hypertension, Age-Standardized</a:t>
+              <a:t>Age-Standardized Trends in Prevalence of CKD among U.S. Adults with Hypertension</a:t>
             </a:r>
             <a:endParaRPr lang="en-US" b="1" dirty="0"/>
           </a:p>
@@ -5666,27 +5619,25 @@
       </p:sp>
       <p:graphicFrame>
         <p:nvGraphicFramePr>
-          <p:cNvPr id="6" name="Chart 5">
+          <p:cNvPr id="5" name="Chart 4">
             <a:extLst>
               <a:ext uri="{FF2B5EF4-FFF2-40B4-BE49-F238E27FC236}">
-                <a16:creationId xmlns:a16="http://schemas.microsoft.com/office/drawing/2014/main" id="{11277347-C2CC-47B2-B220-EBEFA3CB8508}"/>
+                <a16:creationId xmlns:a16="http://schemas.microsoft.com/office/drawing/2014/main" id="{3AA82464-643E-4FF1-B954-89E2B0DF3029}"/>
               </a:ext>
             </a:extLst>
           </p:cNvPr>
-          <p:cNvGraphicFramePr>
-            <a:graphicFrameLocks/>
-          </p:cNvGraphicFramePr>
+          <p:cNvGraphicFramePr/>
           <p:nvPr>
             <p:extLst>
               <p:ext uri="{D42A27DB-BD31-4B8C-83A1-F6EECF244321}">
-                <p14:modId xmlns:p14="http://schemas.microsoft.com/office/powerpoint/2010/main" val="959688005"/>
+                <p14:modId xmlns:p14="http://schemas.microsoft.com/office/powerpoint/2010/main" val="131788631"/>
               </p:ext>
             </p:extLst>
           </p:nvPr>
         </p:nvGraphicFramePr>
         <p:xfrm>
-          <a:off x="337625" y="1540911"/>
-          <a:ext cx="11507372" cy="4620738"/>
+          <a:off x="0" y="1444487"/>
+          <a:ext cx="12191999" cy="4717773"/>
         </p:xfrm>
         <a:graphic>
           <a:graphicData uri="http://schemas.openxmlformats.org/drawingml/2006/chart">
